--- a/retrospective 2 by Dallor.pptx
+++ b/retrospective 2 by Dallor.pptx
@@ -293,7 +293,7 @@
           <a:p>
             <a:fld id="{787BDE87-7793-4B15-9639-4BC7AD808C34}" type="datetimeFigureOut">
               <a:rPr lang="sv-SE" smtClean="0"/>
-              <a:t>2014-05-06</a:t>
+              <a:t>2014-05-08</a:t>
             </a:fld>
             <a:endParaRPr lang="sv-SE"/>
           </a:p>
@@ -463,7 +463,7 @@
           <a:p>
             <a:fld id="{787BDE87-7793-4B15-9639-4BC7AD808C34}" type="datetimeFigureOut">
               <a:rPr lang="sv-SE" smtClean="0"/>
-              <a:t>2014-05-06</a:t>
+              <a:t>2014-05-08</a:t>
             </a:fld>
             <a:endParaRPr lang="sv-SE"/>
           </a:p>
@@ -643,7 +643,7 @@
           <a:p>
             <a:fld id="{787BDE87-7793-4B15-9639-4BC7AD808C34}" type="datetimeFigureOut">
               <a:rPr lang="sv-SE" smtClean="0"/>
-              <a:t>2014-05-06</a:t>
+              <a:t>2014-05-08</a:t>
             </a:fld>
             <a:endParaRPr lang="sv-SE"/>
           </a:p>
@@ -813,7 +813,7 @@
           <a:p>
             <a:fld id="{787BDE87-7793-4B15-9639-4BC7AD808C34}" type="datetimeFigureOut">
               <a:rPr lang="sv-SE" smtClean="0"/>
-              <a:t>2014-05-06</a:t>
+              <a:t>2014-05-08</a:t>
             </a:fld>
             <a:endParaRPr lang="sv-SE"/>
           </a:p>
@@ -1059,7 +1059,7 @@
           <a:p>
             <a:fld id="{787BDE87-7793-4B15-9639-4BC7AD808C34}" type="datetimeFigureOut">
               <a:rPr lang="sv-SE" smtClean="0"/>
-              <a:t>2014-05-06</a:t>
+              <a:t>2014-05-08</a:t>
             </a:fld>
             <a:endParaRPr lang="sv-SE"/>
           </a:p>
@@ -1347,7 +1347,7 @@
           <a:p>
             <a:fld id="{787BDE87-7793-4B15-9639-4BC7AD808C34}" type="datetimeFigureOut">
               <a:rPr lang="sv-SE" smtClean="0"/>
-              <a:t>2014-05-06</a:t>
+              <a:t>2014-05-08</a:t>
             </a:fld>
             <a:endParaRPr lang="sv-SE"/>
           </a:p>
@@ -1769,7 +1769,7 @@
           <a:p>
             <a:fld id="{787BDE87-7793-4B15-9639-4BC7AD808C34}" type="datetimeFigureOut">
               <a:rPr lang="sv-SE" smtClean="0"/>
-              <a:t>2014-05-06</a:t>
+              <a:t>2014-05-08</a:t>
             </a:fld>
             <a:endParaRPr lang="sv-SE"/>
           </a:p>
@@ -1887,7 +1887,7 @@
           <a:p>
             <a:fld id="{787BDE87-7793-4B15-9639-4BC7AD808C34}" type="datetimeFigureOut">
               <a:rPr lang="sv-SE" smtClean="0"/>
-              <a:t>2014-05-06</a:t>
+              <a:t>2014-05-08</a:t>
             </a:fld>
             <a:endParaRPr lang="sv-SE"/>
           </a:p>
@@ -1982,7 +1982,7 @@
           <a:p>
             <a:fld id="{787BDE87-7793-4B15-9639-4BC7AD808C34}" type="datetimeFigureOut">
               <a:rPr lang="sv-SE" smtClean="0"/>
-              <a:t>2014-05-06</a:t>
+              <a:t>2014-05-08</a:t>
             </a:fld>
             <a:endParaRPr lang="sv-SE"/>
           </a:p>
@@ -2259,7 +2259,7 @@
           <a:p>
             <a:fld id="{787BDE87-7793-4B15-9639-4BC7AD808C34}" type="datetimeFigureOut">
               <a:rPr lang="sv-SE" smtClean="0"/>
-              <a:t>2014-05-06</a:t>
+              <a:t>2014-05-08</a:t>
             </a:fld>
             <a:endParaRPr lang="sv-SE"/>
           </a:p>
@@ -2512,7 +2512,7 @@
           <a:p>
             <a:fld id="{787BDE87-7793-4B15-9639-4BC7AD808C34}" type="datetimeFigureOut">
               <a:rPr lang="sv-SE" smtClean="0"/>
-              <a:t>2014-05-06</a:t>
+              <a:t>2014-05-08</a:t>
             </a:fld>
             <a:endParaRPr lang="sv-SE"/>
           </a:p>
@@ -2725,7 +2725,7 @@
           <a:p>
             <a:fld id="{787BDE87-7793-4B15-9639-4BC7AD808C34}" type="datetimeFigureOut">
               <a:rPr lang="sv-SE" smtClean="0"/>
-              <a:t>2014-05-06</a:t>
+              <a:t>2014-05-08</a:t>
             </a:fld>
             <a:endParaRPr lang="sv-SE"/>
           </a:p>
@@ -3287,7 +3287,15 @@
           <a:p>
             <a:r>
               <a:rPr lang="sv-SE" sz="2800" dirty="0" smtClean="0"/>
-              <a:t>Få ett spelfungerande spel.</a:t>
+              <a:t>Få ett </a:t>
+            </a:r>
+            <a:r>
+              <a:rPr lang="sv-SE" sz="2800" dirty="0" smtClean="0"/>
+              <a:t>spelbart </a:t>
+            </a:r>
+            <a:r>
+              <a:rPr lang="sv-SE" sz="2800" dirty="0" smtClean="0"/>
+              <a:t>spel.</a:t>
             </a:r>
           </a:p>
           <a:p>
@@ -3481,13 +3489,18 @@
               <a:t>Skrev ett </a:t>
             </a:r>
             <a:r>
-              <a:rPr lang="sv-SE" sz="2800" dirty="0" err="1" smtClean="0"/>
-              <a:t>doc</a:t>
-            </a:r>
-            <a:r>
               <a:rPr lang="sv-SE" sz="2800" dirty="0" smtClean="0"/>
-              <a:t> på saker vi ville ha med.</a:t>
-            </a:r>
+              <a:t>dokument med saker </a:t>
+            </a:r>
+            <a:r>
+              <a:rPr lang="sv-SE" sz="2800" dirty="0" smtClean="0"/>
+              <a:t>vi ville ha </a:t>
+            </a:r>
+            <a:r>
+              <a:rPr lang="sv-SE" sz="2800" dirty="0" smtClean="0"/>
+              <a:t>i spelet.</a:t>
+            </a:r>
+            <a:endParaRPr lang="sv-SE" sz="2800" dirty="0" smtClean="0"/>
           </a:p>
           <a:p>
             <a:r>
@@ -3550,7 +3563,15 @@
           <a:p>
             <a:r>
               <a:rPr lang="sv-SE" dirty="0" smtClean="0"/>
-              <a:t>Vad har  vi lärt oss?</a:t>
+              <a:t>Vad </a:t>
+            </a:r>
+            <a:r>
+              <a:rPr lang="sv-SE" dirty="0" smtClean="0"/>
+              <a:t>har vi </a:t>
+            </a:r>
+            <a:r>
+              <a:rPr lang="sv-SE" dirty="0" smtClean="0"/>
+              <a:t>lärt oss?</a:t>
             </a:r>
             <a:endParaRPr lang="sv-SE" dirty="0"/>
           </a:p>
@@ -3573,13 +3594,26 @@
           <a:p>
             <a:r>
               <a:rPr lang="sv-SE" sz="2800" dirty="0" smtClean="0"/>
-              <a:t>Till en början segt.</a:t>
-            </a:r>
-          </a:p>
-          <a:p>
+              <a:t>Det kan vara svårt att komma ig</a:t>
+            </a:r>
             <a:r>
               <a:rPr lang="sv-SE" sz="2800" dirty="0" smtClean="0"/>
-              <a:t>Hållit varandra mer uppdaterade på vad vi har gjort genom </a:t>
+              <a:t>ång</a:t>
+            </a:r>
+            <a:r>
+              <a:rPr lang="sv-SE" sz="2800" dirty="0" smtClean="0"/>
+              <a:t>.</a:t>
+            </a:r>
+            <a:endParaRPr lang="sv-SE" sz="2800" dirty="0" smtClean="0"/>
+          </a:p>
+          <a:p>
+            <a:r>
+              <a:rPr lang="sv-SE" sz="2800" dirty="0" smtClean="0"/>
+              <a:t>Hålla </a:t>
+            </a:r>
+            <a:r>
+              <a:rPr lang="sv-SE" sz="2800" dirty="0" smtClean="0"/>
+              <a:t>varandra mer uppdaterade på vad vi har gjort genom </a:t>
             </a:r>
             <a:r>
               <a:rPr lang="sv-SE" sz="2800" dirty="0" err="1" smtClean="0"/>
@@ -3615,11 +3649,19 @@
             </a:r>
             <a:r>
               <a:rPr lang="sv-SE" sz="2800" dirty="0" smtClean="0"/>
-              <a:t> mer istället för att göra allt var för sig hemma.</a:t>
-            </a:r>
-          </a:p>
-          <a:p>
-            <a:endParaRPr lang="sv-SE" dirty="0"/>
+              <a:t> mer istället för att göra allt var för sig hemma</a:t>
+            </a:r>
+            <a:r>
+              <a:rPr lang="sv-SE" sz="2800" dirty="0" smtClean="0"/>
+              <a:t>.</a:t>
+            </a:r>
+          </a:p>
+          <a:p>
+            <a:r>
+              <a:rPr lang="sv-SE" sz="2800" dirty="0" smtClean="0"/>
+              <a:t>Att synkronisera innan man gör ändringar i koden!</a:t>
+            </a:r>
+            <a:endParaRPr lang="sv-SE" sz="2800" dirty="0"/>
           </a:p>
         </p:txBody>
       </p:sp>
@@ -3705,7 +3747,6 @@
               <a:rPr lang="sv-SE" sz="2400" dirty="0" smtClean="0"/>
               <a:t>Poäng</a:t>
             </a:r>
-            <a:endParaRPr lang="sv-SE" sz="2400" dirty="0"/>
           </a:p>
           <a:p>
             <a:pPr marL="514350" indent="-514350">
@@ -3714,7 +3755,11 @@
             </a:pPr>
             <a:r>
               <a:rPr lang="sv-SE" sz="2400" dirty="0" smtClean="0"/>
-              <a:t>Timer</a:t>
+              <a:t>Klara </a:t>
+            </a:r>
+            <a:r>
+              <a:rPr lang="sv-SE" sz="2400" dirty="0" smtClean="0"/>
+              <a:t>av en bana -&gt; komma till nästa </a:t>
             </a:r>
           </a:p>
           <a:p>
@@ -3723,9 +3768,10 @@
               <a:buAutoNum type="arabicPeriod"/>
             </a:pPr>
             <a:r>
-              <a:rPr lang="sv-SE" sz="2400" dirty="0" smtClean="0"/>
-              <a:t>Klara av en bana -&gt; komma till nästa </a:t>
-            </a:r>
+              <a:rPr lang="sv-SE" sz="2400" dirty="0" err="1" smtClean="0"/>
+              <a:t>Multiplayer</a:t>
+            </a:r>
+            <a:endParaRPr lang="sv-SE" sz="2400" dirty="0"/>
           </a:p>
           <a:p>
             <a:pPr marL="514350" indent="-514350">
@@ -3733,10 +3779,14 @@
               <a:buAutoNum type="arabicPeriod"/>
             </a:pPr>
             <a:r>
+              <a:rPr lang="sv-SE" sz="2400" dirty="0" smtClean="0"/>
+              <a:t>Fler </a:t>
+            </a:r>
+            <a:r>
               <a:rPr lang="sv-SE" sz="2400" dirty="0" err="1" smtClean="0"/>
-              <a:t>Multiplayer</a:t>
-            </a:r>
-            <a:endParaRPr lang="sv-SE" sz="2400" dirty="0"/>
+              <a:t>maps</a:t>
+            </a:r>
+            <a:endParaRPr lang="sv-SE" sz="2400" dirty="0" smtClean="0"/>
           </a:p>
           <a:p>
             <a:pPr marL="514350" indent="-514350">
@@ -3745,11 +3795,11 @@
             </a:pPr>
             <a:r>
               <a:rPr lang="sv-SE" sz="2400" dirty="0" smtClean="0"/>
-              <a:t>Fler </a:t>
+              <a:t>Fungerande </a:t>
             </a:r>
             <a:r>
               <a:rPr lang="sv-SE" sz="2400" dirty="0" err="1" smtClean="0"/>
-              <a:t>maps</a:t>
+              <a:t>spritesheets</a:t>
             </a:r>
             <a:endParaRPr lang="sv-SE" sz="2400" dirty="0" smtClean="0"/>
           </a:p>
@@ -3760,11 +3810,7 @@
             </a:pPr>
             <a:r>
               <a:rPr lang="sv-SE" sz="2400" dirty="0" smtClean="0"/>
-              <a:t>Fungerande </a:t>
-            </a:r>
-            <a:r>
-              <a:rPr lang="sv-SE" sz="2400" dirty="0" err="1" smtClean="0"/>
-              <a:t>spritesheets</a:t>
+              <a:t>Länka spakar/knappar till dörrar</a:t>
             </a:r>
             <a:endParaRPr lang="sv-SE" sz="2400" dirty="0"/>
           </a:p>
